--- a/Healthcare Medicare Quality Analysis.pptx
+++ b/Healthcare Medicare Quality Analysis.pptx
@@ -4,18 +4,17 @@
   <p:sldMasterIdLst>
     <p:sldMasterId id="2147483819" r:id="rId1"/>
   </p:sldMasterIdLst>
+  <p:notesMasterIdLst>
+    <p:notesMasterId r:id="rId9"/>
+  </p:notesMasterIdLst>
   <p:sldIdLst>
     <p:sldId id="256" r:id="rId2"/>
     <p:sldId id="258" r:id="rId3"/>
     <p:sldId id="257" r:id="rId4"/>
     <p:sldId id="259" r:id="rId5"/>
-    <p:sldId id="260" r:id="rId6"/>
-    <p:sldId id="261" r:id="rId7"/>
-    <p:sldId id="265" r:id="rId8"/>
-    <p:sldId id="266" r:id="rId9"/>
-    <p:sldId id="264" r:id="rId10"/>
-    <p:sldId id="263" r:id="rId11"/>
-    <p:sldId id="267" r:id="rId12"/>
+    <p:sldId id="265" r:id="rId6"/>
+    <p:sldId id="264" r:id="rId7"/>
+    <p:sldId id="263" r:id="rId8"/>
   </p:sldIdLst>
   <p:sldSz cx="12192000" cy="6858000"/>
   <p:notesSz cx="6858000" cy="9144000"/>
@@ -114,7 +113,453 @@
       </a:defRPr>
     </a:lvl9pPr>
   </p:defaultTextStyle>
+  <p:extLst>
+    <p:ext uri="{EFAFB233-063F-42B5-8137-9DF3F51BA10A}">
+      <p15:sldGuideLst xmlns:p15="http://schemas.microsoft.com/office/powerpoint/2012/main"/>
+    </p:ext>
+  </p:extLst>
 </p:presentation>
+</file>
+
+<file path=ppt/notesMasters/notesMaster1.xml><?xml version="1.0" encoding="utf-8"?>
+<p:notesMaster xmlns:a="http://schemas.openxmlformats.org/drawingml/2006/main" xmlns:r="http://schemas.openxmlformats.org/officeDocument/2006/relationships" xmlns:p="http://schemas.openxmlformats.org/presentationml/2006/main">
+  <p:cSld>
+    <p:bg>
+      <p:bgRef idx="1001">
+        <a:schemeClr val="bg1"/>
+      </p:bgRef>
+    </p:bg>
+    <p:spTree>
+      <p:nvGrpSpPr>
+        <p:cNvPr id="1" name=""/>
+        <p:cNvGrpSpPr/>
+        <p:nvPr/>
+      </p:nvGrpSpPr>
+      <p:grpSpPr>
+        <a:xfrm>
+          <a:off x="0" y="0"/>
+          <a:ext cx="0" cy="0"/>
+          <a:chOff x="0" y="0"/>
+          <a:chExt cx="0" cy="0"/>
+        </a:xfrm>
+      </p:grpSpPr>
+      <p:sp>
+        <p:nvSpPr>
+          <p:cNvPr id="2" name="Header Placeholder 1"/>
+          <p:cNvSpPr>
+            <a:spLocks noGrp="1"/>
+          </p:cNvSpPr>
+          <p:nvPr>
+            <p:ph type="hdr" sz="quarter"/>
+          </p:nvPr>
+        </p:nvSpPr>
+        <p:spPr>
+          <a:xfrm>
+            <a:off x="0" y="0"/>
+            <a:ext cx="2971800" cy="458788"/>
+          </a:xfrm>
+          <a:prstGeom prst="rect">
+            <a:avLst/>
+          </a:prstGeom>
+        </p:spPr>
+        <p:txBody>
+          <a:bodyPr vert="horz" lIns="91440" tIns="45720" rIns="91440" bIns="45720" rtlCol="0"/>
+          <a:lstStyle>
+            <a:lvl1pPr algn="l">
+              <a:defRPr sz="1200"/>
+            </a:lvl1pPr>
+          </a:lstStyle>
+          <a:p>
+            <a:endParaRPr lang="en-US"/>
+          </a:p>
+        </p:txBody>
+      </p:sp>
+      <p:sp>
+        <p:nvSpPr>
+          <p:cNvPr id="3" name="Date Placeholder 2"/>
+          <p:cNvSpPr>
+            <a:spLocks noGrp="1"/>
+          </p:cNvSpPr>
+          <p:nvPr>
+            <p:ph type="dt" idx="1"/>
+          </p:nvPr>
+        </p:nvSpPr>
+        <p:spPr>
+          <a:xfrm>
+            <a:off x="3884613" y="0"/>
+            <a:ext cx="2971800" cy="458788"/>
+          </a:xfrm>
+          <a:prstGeom prst="rect">
+            <a:avLst/>
+          </a:prstGeom>
+        </p:spPr>
+        <p:txBody>
+          <a:bodyPr vert="horz" lIns="91440" tIns="45720" rIns="91440" bIns="45720" rtlCol="0"/>
+          <a:lstStyle>
+            <a:lvl1pPr algn="r">
+              <a:defRPr sz="1200"/>
+            </a:lvl1pPr>
+          </a:lstStyle>
+          <a:p>
+            <a:fld id="{65A4E7D8-DB81-4E1D-BC37-E6339BF55A47}" type="datetimeFigureOut">
+              <a:rPr lang="en-US" smtClean="0"/>
+              <a:t>1/9/2020</a:t>
+            </a:fld>
+            <a:endParaRPr lang="en-US"/>
+          </a:p>
+        </p:txBody>
+      </p:sp>
+      <p:sp>
+        <p:nvSpPr>
+          <p:cNvPr id="4" name="Slide Image Placeholder 3"/>
+          <p:cNvSpPr>
+            <a:spLocks noGrp="1" noRot="1" noChangeAspect="1"/>
+          </p:cNvSpPr>
+          <p:nvPr>
+            <p:ph type="sldImg" idx="2"/>
+          </p:nvPr>
+        </p:nvSpPr>
+        <p:spPr>
+          <a:xfrm>
+            <a:off x="685800" y="1143000"/>
+            <a:ext cx="5486400" cy="3086100"/>
+          </a:xfrm>
+          <a:prstGeom prst="rect">
+            <a:avLst/>
+          </a:prstGeom>
+          <a:noFill/>
+          <a:ln w="12700">
+            <a:solidFill>
+              <a:prstClr val="black"/>
+            </a:solidFill>
+          </a:ln>
+        </p:spPr>
+        <p:txBody>
+          <a:bodyPr vert="horz" lIns="91440" tIns="45720" rIns="91440" bIns="45720" rtlCol="0" anchor="ctr"/>
+          <a:lstStyle/>
+          <a:p>
+            <a:endParaRPr lang="en-US"/>
+          </a:p>
+        </p:txBody>
+      </p:sp>
+      <p:sp>
+        <p:nvSpPr>
+          <p:cNvPr id="5" name="Notes Placeholder 4"/>
+          <p:cNvSpPr>
+            <a:spLocks noGrp="1"/>
+          </p:cNvSpPr>
+          <p:nvPr>
+            <p:ph type="body" sz="quarter" idx="3"/>
+          </p:nvPr>
+        </p:nvSpPr>
+        <p:spPr>
+          <a:xfrm>
+            <a:off x="685800" y="4400550"/>
+            <a:ext cx="5486400" cy="3600450"/>
+          </a:xfrm>
+          <a:prstGeom prst="rect">
+            <a:avLst/>
+          </a:prstGeom>
+        </p:spPr>
+        <p:txBody>
+          <a:bodyPr vert="horz" lIns="91440" tIns="45720" rIns="91440" bIns="45720" rtlCol="0"/>
+          <a:lstStyle/>
+          <a:p>
+            <a:pPr lvl="0"/>
+            <a:r>
+              <a:rPr lang="en-US"/>
+              <a:t>Click to edit Master text styles</a:t>
+            </a:r>
+          </a:p>
+          <a:p>
+            <a:pPr lvl="1"/>
+            <a:r>
+              <a:rPr lang="en-US"/>
+              <a:t>Second level</a:t>
+            </a:r>
+          </a:p>
+          <a:p>
+            <a:pPr lvl="2"/>
+            <a:r>
+              <a:rPr lang="en-US"/>
+              <a:t>Third level</a:t>
+            </a:r>
+          </a:p>
+          <a:p>
+            <a:pPr lvl="3"/>
+            <a:r>
+              <a:rPr lang="en-US"/>
+              <a:t>Fourth level</a:t>
+            </a:r>
+          </a:p>
+          <a:p>
+            <a:pPr lvl="4"/>
+            <a:r>
+              <a:rPr lang="en-US"/>
+              <a:t>Fifth level</a:t>
+            </a:r>
+          </a:p>
+        </p:txBody>
+      </p:sp>
+      <p:sp>
+        <p:nvSpPr>
+          <p:cNvPr id="6" name="Footer Placeholder 5"/>
+          <p:cNvSpPr>
+            <a:spLocks noGrp="1"/>
+          </p:cNvSpPr>
+          <p:nvPr>
+            <p:ph type="ftr" sz="quarter" idx="4"/>
+          </p:nvPr>
+        </p:nvSpPr>
+        <p:spPr>
+          <a:xfrm>
+            <a:off x="0" y="8685213"/>
+            <a:ext cx="2971800" cy="458787"/>
+          </a:xfrm>
+          <a:prstGeom prst="rect">
+            <a:avLst/>
+          </a:prstGeom>
+        </p:spPr>
+        <p:txBody>
+          <a:bodyPr vert="horz" lIns="91440" tIns="45720" rIns="91440" bIns="45720" rtlCol="0" anchor="b"/>
+          <a:lstStyle>
+            <a:lvl1pPr algn="l">
+              <a:defRPr sz="1200"/>
+            </a:lvl1pPr>
+          </a:lstStyle>
+          <a:p>
+            <a:endParaRPr lang="en-US"/>
+          </a:p>
+        </p:txBody>
+      </p:sp>
+      <p:sp>
+        <p:nvSpPr>
+          <p:cNvPr id="7" name="Slide Number Placeholder 6"/>
+          <p:cNvSpPr>
+            <a:spLocks noGrp="1"/>
+          </p:cNvSpPr>
+          <p:nvPr>
+            <p:ph type="sldNum" sz="quarter" idx="5"/>
+          </p:nvPr>
+        </p:nvSpPr>
+        <p:spPr>
+          <a:xfrm>
+            <a:off x="3884613" y="8685213"/>
+            <a:ext cx="2971800" cy="458787"/>
+          </a:xfrm>
+          <a:prstGeom prst="rect">
+            <a:avLst/>
+          </a:prstGeom>
+        </p:spPr>
+        <p:txBody>
+          <a:bodyPr vert="horz" lIns="91440" tIns="45720" rIns="91440" bIns="45720" rtlCol="0" anchor="b"/>
+          <a:lstStyle>
+            <a:lvl1pPr algn="r">
+              <a:defRPr sz="1200"/>
+            </a:lvl1pPr>
+          </a:lstStyle>
+          <a:p>
+            <a:fld id="{002B975C-757C-493A-9AC0-CE47CA49B844}" type="slidenum">
+              <a:rPr lang="en-US" smtClean="0"/>
+              <a:t>‹#›</a:t>
+            </a:fld>
+            <a:endParaRPr lang="en-US"/>
+          </a:p>
+        </p:txBody>
+      </p:sp>
+    </p:spTree>
+    <p:extLst>
+      <p:ext uri="{BB962C8B-B14F-4D97-AF65-F5344CB8AC3E}">
+        <p14:creationId xmlns:p14="http://schemas.microsoft.com/office/powerpoint/2010/main" val="704257359"/>
+      </p:ext>
+    </p:extLst>
+  </p:cSld>
+  <p:clrMap bg1="lt1" tx1="dk1" bg2="lt2" tx2="dk2" accent1="accent1" accent2="accent2" accent3="accent3" accent4="accent4" accent5="accent5" accent6="accent6" hlink="hlink" folHlink="folHlink"/>
+  <p:notesStyle>
+    <a:lvl1pPr marL="0" algn="l" defTabSz="914400" rtl="0" eaLnBrk="1" latinLnBrk="0" hangingPunct="1">
+      <a:defRPr sz="1200" kern="1200">
+        <a:solidFill>
+          <a:schemeClr val="tx1"/>
+        </a:solidFill>
+        <a:latin typeface="+mn-lt"/>
+        <a:ea typeface="+mn-ea"/>
+        <a:cs typeface="+mn-cs"/>
+      </a:defRPr>
+    </a:lvl1pPr>
+    <a:lvl2pPr marL="457200" algn="l" defTabSz="914400" rtl="0" eaLnBrk="1" latinLnBrk="0" hangingPunct="1">
+      <a:defRPr sz="1200" kern="1200">
+        <a:solidFill>
+          <a:schemeClr val="tx1"/>
+        </a:solidFill>
+        <a:latin typeface="+mn-lt"/>
+        <a:ea typeface="+mn-ea"/>
+        <a:cs typeface="+mn-cs"/>
+      </a:defRPr>
+    </a:lvl2pPr>
+    <a:lvl3pPr marL="914400" algn="l" defTabSz="914400" rtl="0" eaLnBrk="1" latinLnBrk="0" hangingPunct="1">
+      <a:defRPr sz="1200" kern="1200">
+        <a:solidFill>
+          <a:schemeClr val="tx1"/>
+        </a:solidFill>
+        <a:latin typeface="+mn-lt"/>
+        <a:ea typeface="+mn-ea"/>
+        <a:cs typeface="+mn-cs"/>
+      </a:defRPr>
+    </a:lvl3pPr>
+    <a:lvl4pPr marL="1371600" algn="l" defTabSz="914400" rtl="0" eaLnBrk="1" latinLnBrk="0" hangingPunct="1">
+      <a:defRPr sz="1200" kern="1200">
+        <a:solidFill>
+          <a:schemeClr val="tx1"/>
+        </a:solidFill>
+        <a:latin typeface="+mn-lt"/>
+        <a:ea typeface="+mn-ea"/>
+        <a:cs typeface="+mn-cs"/>
+      </a:defRPr>
+    </a:lvl4pPr>
+    <a:lvl5pPr marL="1828800" algn="l" defTabSz="914400" rtl="0" eaLnBrk="1" latinLnBrk="0" hangingPunct="1">
+      <a:defRPr sz="1200" kern="1200">
+        <a:solidFill>
+          <a:schemeClr val="tx1"/>
+        </a:solidFill>
+        <a:latin typeface="+mn-lt"/>
+        <a:ea typeface="+mn-ea"/>
+        <a:cs typeface="+mn-cs"/>
+      </a:defRPr>
+    </a:lvl5pPr>
+    <a:lvl6pPr marL="2286000" algn="l" defTabSz="914400" rtl="0" eaLnBrk="1" latinLnBrk="0" hangingPunct="1">
+      <a:defRPr sz="1200" kern="1200">
+        <a:solidFill>
+          <a:schemeClr val="tx1"/>
+        </a:solidFill>
+        <a:latin typeface="+mn-lt"/>
+        <a:ea typeface="+mn-ea"/>
+        <a:cs typeface="+mn-cs"/>
+      </a:defRPr>
+    </a:lvl6pPr>
+    <a:lvl7pPr marL="2743200" algn="l" defTabSz="914400" rtl="0" eaLnBrk="1" latinLnBrk="0" hangingPunct="1">
+      <a:defRPr sz="1200" kern="1200">
+        <a:solidFill>
+          <a:schemeClr val="tx1"/>
+        </a:solidFill>
+        <a:latin typeface="+mn-lt"/>
+        <a:ea typeface="+mn-ea"/>
+        <a:cs typeface="+mn-cs"/>
+      </a:defRPr>
+    </a:lvl7pPr>
+    <a:lvl8pPr marL="3200400" algn="l" defTabSz="914400" rtl="0" eaLnBrk="1" latinLnBrk="0" hangingPunct="1">
+      <a:defRPr sz="1200" kern="1200">
+        <a:solidFill>
+          <a:schemeClr val="tx1"/>
+        </a:solidFill>
+        <a:latin typeface="+mn-lt"/>
+        <a:ea typeface="+mn-ea"/>
+        <a:cs typeface="+mn-cs"/>
+      </a:defRPr>
+    </a:lvl8pPr>
+    <a:lvl9pPr marL="3657600" algn="l" defTabSz="914400" rtl="0" eaLnBrk="1" latinLnBrk="0" hangingPunct="1">
+      <a:defRPr sz="1200" kern="1200">
+        <a:solidFill>
+          <a:schemeClr val="tx1"/>
+        </a:solidFill>
+        <a:latin typeface="+mn-lt"/>
+        <a:ea typeface="+mn-ea"/>
+        <a:cs typeface="+mn-cs"/>
+      </a:defRPr>
+    </a:lvl9pPr>
+  </p:notesStyle>
+</p:notesMaster>
+</file>
+
+<file path=ppt/notesSlides/notesSlide1.xml><?xml version="1.0" encoding="utf-8"?>
+<p:notes xmlns:a="http://schemas.openxmlformats.org/drawingml/2006/main" xmlns:r="http://schemas.openxmlformats.org/officeDocument/2006/relationships" xmlns:p="http://schemas.openxmlformats.org/presentationml/2006/main">
+  <p:cSld>
+    <p:spTree>
+      <p:nvGrpSpPr>
+        <p:cNvPr id="1" name=""/>
+        <p:cNvGrpSpPr/>
+        <p:nvPr/>
+      </p:nvGrpSpPr>
+      <p:grpSpPr>
+        <a:xfrm>
+          <a:off x="0" y="0"/>
+          <a:ext cx="0" cy="0"/>
+          <a:chOff x="0" y="0"/>
+          <a:chExt cx="0" cy="0"/>
+        </a:xfrm>
+      </p:grpSpPr>
+      <p:sp>
+        <p:nvSpPr>
+          <p:cNvPr id="2" name="Slide Image Placeholder 1"/>
+          <p:cNvSpPr>
+            <a:spLocks noGrp="1" noRot="1" noChangeAspect="1"/>
+          </p:cNvSpPr>
+          <p:nvPr>
+            <p:ph type="sldImg"/>
+          </p:nvPr>
+        </p:nvSpPr>
+        <p:spPr/>
+      </p:sp>
+      <p:sp>
+        <p:nvSpPr>
+          <p:cNvPr id="3" name="Notes Placeholder 2"/>
+          <p:cNvSpPr>
+            <a:spLocks noGrp="1"/>
+          </p:cNvSpPr>
+          <p:nvPr>
+            <p:ph type="body" idx="1"/>
+          </p:nvPr>
+        </p:nvSpPr>
+        <p:spPr/>
+        <p:txBody>
+          <a:bodyPr/>
+          <a:lstStyle/>
+          <a:p>
+            <a:r>
+              <a:rPr lang="en-US" dirty="0"/>
+              <a:t>Medicare is defined as a managed care (insurance) entity that provides access to care for individuals 65+ and those with end Stage renal </a:t>
+            </a:r>
+            <a:r>
+              <a:rPr lang="en-US" dirty="0" err="1"/>
+              <a:t>diease</a:t>
+            </a:r>
+            <a:endParaRPr lang="en-US" dirty="0"/>
+          </a:p>
+        </p:txBody>
+      </p:sp>
+      <p:sp>
+        <p:nvSpPr>
+          <p:cNvPr id="4" name="Slide Number Placeholder 3"/>
+          <p:cNvSpPr>
+            <a:spLocks noGrp="1"/>
+          </p:cNvSpPr>
+          <p:nvPr>
+            <p:ph type="sldNum" sz="quarter" idx="5"/>
+          </p:nvPr>
+        </p:nvSpPr>
+        <p:spPr/>
+        <p:txBody>
+          <a:bodyPr/>
+          <a:lstStyle/>
+          <a:p>
+            <a:fld id="{002B975C-757C-493A-9AC0-CE47CA49B844}" type="slidenum">
+              <a:rPr lang="en-US" smtClean="0"/>
+              <a:t>2</a:t>
+            </a:fld>
+            <a:endParaRPr lang="en-US"/>
+          </a:p>
+        </p:txBody>
+      </p:sp>
+    </p:spTree>
+    <p:extLst>
+      <p:ext uri="{BB962C8B-B14F-4D97-AF65-F5344CB8AC3E}">
+        <p14:creationId xmlns:p14="http://schemas.microsoft.com/office/powerpoint/2010/main" val="1566620499"/>
+      </p:ext>
+    </p:extLst>
+  </p:cSld>
+  <p:clrMapOvr>
+    <a:masterClrMapping/>
+  </p:clrMapOvr>
+</p:notes>
 </file>
 
 <file path=ppt/slideLayouts/slideLayout1.xml><?xml version="1.0" encoding="utf-8"?>
@@ -307,7 +752,7 @@
           <a:p>
             <a:fld id="{7F12F9C9-F08E-475E-8FEB-3CEB3D3B1263}" type="datetimeFigureOut">
               <a:rPr lang="en-US" smtClean="0"/>
-              <a:t>12/21/2019</a:t>
+              <a:t>1/9/2020</a:t>
             </a:fld>
             <a:endParaRPr lang="en-US" dirty="0"/>
           </a:p>
@@ -512,7 +957,7 @@
           <a:p>
             <a:fld id="{7F12F9C9-F08E-475E-8FEB-3CEB3D3B1263}" type="datetimeFigureOut">
               <a:rPr lang="en-US" smtClean="0"/>
-              <a:t>12/21/2019</a:t>
+              <a:t>1/9/2020</a:t>
             </a:fld>
             <a:endParaRPr lang="en-US" dirty="0"/>
           </a:p>
@@ -692,7 +1137,7 @@
           <a:p>
             <a:fld id="{7F12F9C9-F08E-475E-8FEB-3CEB3D3B1263}" type="datetimeFigureOut">
               <a:rPr lang="en-US" smtClean="0"/>
-              <a:t>12/21/2019</a:t>
+              <a:t>1/9/2020</a:t>
             </a:fld>
             <a:endParaRPr lang="en-US" dirty="0"/>
           </a:p>
@@ -897,7 +1342,7 @@
           <a:p>
             <a:fld id="{7F12F9C9-F08E-475E-8FEB-3CEB3D3B1263}" type="datetimeFigureOut">
               <a:rPr lang="en-US" smtClean="0"/>
-              <a:t>12/21/2019</a:t>
+              <a:t>1/9/2020</a:t>
             </a:fld>
             <a:endParaRPr lang="en-US" dirty="0"/>
           </a:p>
@@ -1192,7 +1637,7 @@
           <a:p>
             <a:fld id="{7F12F9C9-F08E-475E-8FEB-3CEB3D3B1263}" type="datetimeFigureOut">
               <a:rPr lang="en-US" smtClean="0"/>
-              <a:t>12/21/2019</a:t>
+              <a:t>1/9/2020</a:t>
             </a:fld>
             <a:endParaRPr lang="en-US" dirty="0"/>
           </a:p>
@@ -1464,7 +1909,7 @@
           <a:p>
             <a:fld id="{7F12F9C9-F08E-475E-8FEB-3CEB3D3B1263}" type="datetimeFigureOut">
               <a:rPr lang="en-US" smtClean="0"/>
-              <a:t>12/21/2019</a:t>
+              <a:t>1/9/2020</a:t>
             </a:fld>
             <a:endParaRPr lang="en-US" dirty="0"/>
           </a:p>
@@ -1871,7 +2316,7 @@
           <a:p>
             <a:fld id="{7F12F9C9-F08E-475E-8FEB-3CEB3D3B1263}" type="datetimeFigureOut">
               <a:rPr lang="en-US" smtClean="0"/>
-              <a:t>12/21/2019</a:t>
+              <a:t>1/9/2020</a:t>
             </a:fld>
             <a:endParaRPr lang="en-US" dirty="0"/>
           </a:p>
@@ -1989,7 +2434,7 @@
           <a:p>
             <a:fld id="{7F12F9C9-F08E-475E-8FEB-3CEB3D3B1263}" type="datetimeFigureOut">
               <a:rPr lang="en-US" smtClean="0"/>
-              <a:t>12/21/2019</a:t>
+              <a:t>1/9/2020</a:t>
             </a:fld>
             <a:endParaRPr lang="en-US" dirty="0"/>
           </a:p>
@@ -2084,7 +2529,7 @@
           <a:p>
             <a:fld id="{7F12F9C9-F08E-475E-8FEB-3CEB3D3B1263}" type="datetimeFigureOut">
               <a:rPr lang="en-US" smtClean="0"/>
-              <a:t>12/21/2019</a:t>
+              <a:t>1/9/2020</a:t>
             </a:fld>
             <a:endParaRPr lang="en-US" dirty="0"/>
           </a:p>
@@ -2374,7 +2819,7 @@
           <a:p>
             <a:fld id="{7F12F9C9-F08E-475E-8FEB-3CEB3D3B1263}" type="datetimeFigureOut">
               <a:rPr lang="en-US" smtClean="0"/>
-              <a:t>12/21/2019</a:t>
+              <a:t>1/9/2020</a:t>
             </a:fld>
             <a:endParaRPr lang="en-US" dirty="0"/>
           </a:p>
@@ -2653,7 +3098,7 @@
           <a:p>
             <a:fld id="{7F12F9C9-F08E-475E-8FEB-3CEB3D3B1263}" type="datetimeFigureOut">
               <a:rPr lang="en-US" smtClean="0"/>
-              <a:t>12/21/2019</a:t>
+              <a:t>1/9/2020</a:t>
             </a:fld>
             <a:endParaRPr lang="en-US" dirty="0"/>
           </a:p>
@@ -2903,7 +3348,7 @@
           <a:p>
             <a:fld id="{7F12F9C9-F08E-475E-8FEB-3CEB3D3B1263}" type="datetimeFigureOut">
               <a:rPr lang="en-US" smtClean="0"/>
-              <a:t>12/21/2019</a:t>
+              <a:t>1/9/2020</a:t>
             </a:fld>
             <a:endParaRPr lang="en-US" dirty="0"/>
           </a:p>
@@ -3474,212 +3919,6 @@
 </p:sld>
 </file>
 
-<file path=ppt/slides/slide10.xml><?xml version="1.0" encoding="utf-8"?>
-<p:sld xmlns:a="http://schemas.openxmlformats.org/drawingml/2006/main" xmlns:r="http://schemas.openxmlformats.org/officeDocument/2006/relationships" xmlns:p="http://schemas.openxmlformats.org/presentationml/2006/main">
-  <p:cSld>
-    <p:spTree>
-      <p:nvGrpSpPr>
-        <p:cNvPr id="1" name=""/>
-        <p:cNvGrpSpPr/>
-        <p:nvPr/>
-      </p:nvGrpSpPr>
-      <p:grpSpPr>
-        <a:xfrm>
-          <a:off x="0" y="0"/>
-          <a:ext cx="0" cy="0"/>
-          <a:chOff x="0" y="0"/>
-          <a:chExt cx="0" cy="0"/>
-        </a:xfrm>
-      </p:grpSpPr>
-      <p:sp>
-        <p:nvSpPr>
-          <p:cNvPr id="2" name="Title 1">
-            <a:extLst>
-              <a:ext uri="{FF2B5EF4-FFF2-40B4-BE49-F238E27FC236}">
-                <a16:creationId xmlns:a16="http://schemas.microsoft.com/office/drawing/2014/main" id="{0290FEE3-FBEC-4133-8953-C562519A8272}"/>
-              </a:ext>
-            </a:extLst>
-          </p:cNvPr>
-          <p:cNvSpPr>
-            <a:spLocks noGrp="1"/>
-          </p:cNvSpPr>
-          <p:nvPr>
-            <p:ph type="title"/>
-          </p:nvPr>
-        </p:nvSpPr>
-        <p:spPr/>
-        <p:txBody>
-          <a:bodyPr/>
-          <a:lstStyle/>
-          <a:p>
-            <a:pPr algn="ctr"/>
-            <a:r>
-              <a:rPr lang="en-US" dirty="0"/>
-              <a:t>Other Analysis Opportunities</a:t>
-            </a:r>
-          </a:p>
-        </p:txBody>
-      </p:sp>
-      <p:sp>
-        <p:nvSpPr>
-          <p:cNvPr id="3" name="Content Placeholder 2">
-            <a:extLst>
-              <a:ext uri="{FF2B5EF4-FFF2-40B4-BE49-F238E27FC236}">
-                <a16:creationId xmlns:a16="http://schemas.microsoft.com/office/drawing/2014/main" id="{518A4E08-8919-45C9-9AEA-341EFFBD78E2}"/>
-              </a:ext>
-            </a:extLst>
-          </p:cNvPr>
-          <p:cNvSpPr>
-            <a:spLocks noGrp="1"/>
-          </p:cNvSpPr>
-          <p:nvPr>
-            <p:ph idx="1"/>
-          </p:nvPr>
-        </p:nvSpPr>
-        <p:spPr/>
-        <p:txBody>
-          <a:bodyPr/>
-          <a:lstStyle/>
-          <a:p>
-            <a:pPr>
-              <a:buFont typeface="Wingdings" panose="05000000000000000000" pitchFamily="2" charset="2"/>
-              <a:buChar char="v"/>
-            </a:pPr>
-            <a:r>
-              <a:rPr lang="en-US" dirty="0"/>
-              <a:t>Florida has the largest 65+ demographic as well as the highest amount of readmissions, it would be interesting to dig further with detail facility data to find out areas of opportunity.</a:t>
-            </a:r>
-          </a:p>
-          <a:p>
-            <a:pPr>
-              <a:buFont typeface="Wingdings" panose="05000000000000000000" pitchFamily="2" charset="2"/>
-              <a:buChar char="v"/>
-            </a:pPr>
-            <a:endParaRPr lang="en-US" dirty="0"/>
-          </a:p>
-          <a:p>
-            <a:pPr>
-              <a:buFont typeface="Wingdings" panose="05000000000000000000" pitchFamily="2" charset="2"/>
-              <a:buChar char="v"/>
-            </a:pPr>
-            <a:r>
-              <a:rPr lang="en-US" dirty="0"/>
-              <a:t>It would be interesting to pull in Medicare payment data to highlight repeat excess readmission offenders. </a:t>
-            </a:r>
-          </a:p>
-          <a:p>
-            <a:pPr>
-              <a:buFont typeface="Wingdings" panose="05000000000000000000" pitchFamily="2" charset="2"/>
-              <a:buChar char="v"/>
-            </a:pPr>
-            <a:endParaRPr lang="en-US" dirty="0"/>
-          </a:p>
-          <a:p>
-            <a:pPr>
-              <a:buFont typeface="Wingdings" panose="05000000000000000000" pitchFamily="2" charset="2"/>
-              <a:buChar char="v"/>
-            </a:pPr>
-            <a:endParaRPr lang="en-US" dirty="0"/>
-          </a:p>
-        </p:txBody>
-      </p:sp>
-    </p:spTree>
-    <p:extLst>
-      <p:ext uri="{BB962C8B-B14F-4D97-AF65-F5344CB8AC3E}">
-        <p14:creationId xmlns:p14="http://schemas.microsoft.com/office/powerpoint/2010/main" val="2220521494"/>
-      </p:ext>
-    </p:extLst>
-  </p:cSld>
-  <p:clrMapOvr>
-    <a:masterClrMapping/>
-  </p:clrMapOvr>
-</p:sld>
-</file>
-
-<file path=ppt/slides/slide11.xml><?xml version="1.0" encoding="utf-8"?>
-<p:sld xmlns:a="http://schemas.openxmlformats.org/drawingml/2006/main" xmlns:r="http://schemas.openxmlformats.org/officeDocument/2006/relationships" xmlns:p="http://schemas.openxmlformats.org/presentationml/2006/main">
-  <p:cSld>
-    <p:spTree>
-      <p:nvGrpSpPr>
-        <p:cNvPr id="1" name=""/>
-        <p:cNvGrpSpPr/>
-        <p:nvPr/>
-      </p:nvGrpSpPr>
-      <p:grpSpPr>
-        <a:xfrm>
-          <a:off x="0" y="0"/>
-          <a:ext cx="0" cy="0"/>
-          <a:chOff x="0" y="0"/>
-          <a:chExt cx="0" cy="0"/>
-        </a:xfrm>
-      </p:grpSpPr>
-      <p:sp>
-        <p:nvSpPr>
-          <p:cNvPr id="2" name="Title 1">
-            <a:extLst>
-              <a:ext uri="{FF2B5EF4-FFF2-40B4-BE49-F238E27FC236}">
-                <a16:creationId xmlns:a16="http://schemas.microsoft.com/office/drawing/2014/main" id="{3A2C9394-E79A-4BF1-A59F-5A03F5F4A2C9}"/>
-              </a:ext>
-            </a:extLst>
-          </p:cNvPr>
-          <p:cNvSpPr>
-            <a:spLocks noGrp="1"/>
-          </p:cNvSpPr>
-          <p:nvPr>
-            <p:ph type="title"/>
-          </p:nvPr>
-        </p:nvSpPr>
-        <p:spPr/>
-        <p:txBody>
-          <a:bodyPr/>
-          <a:lstStyle/>
-          <a:p>
-            <a:pPr algn="ctr"/>
-            <a:r>
-              <a:rPr lang="en-US" dirty="0"/>
-              <a:t>References</a:t>
-            </a:r>
-          </a:p>
-        </p:txBody>
-      </p:sp>
-      <p:sp>
-        <p:nvSpPr>
-          <p:cNvPr id="3" name="Content Placeholder 2">
-            <a:extLst>
-              <a:ext uri="{FF2B5EF4-FFF2-40B4-BE49-F238E27FC236}">
-                <a16:creationId xmlns:a16="http://schemas.microsoft.com/office/drawing/2014/main" id="{DDC477D3-9025-4A8F-A9DC-D425B339FEA6}"/>
-              </a:ext>
-            </a:extLst>
-          </p:cNvPr>
-          <p:cNvSpPr>
-            <a:spLocks noGrp="1"/>
-          </p:cNvSpPr>
-          <p:nvPr>
-            <p:ph idx="1"/>
-          </p:nvPr>
-        </p:nvSpPr>
-        <p:spPr/>
-        <p:txBody>
-          <a:bodyPr/>
-          <a:lstStyle/>
-          <a:p>
-            <a:endParaRPr lang="en-US"/>
-          </a:p>
-        </p:txBody>
-      </p:sp>
-    </p:spTree>
-    <p:extLst>
-      <p:ext uri="{BB962C8B-B14F-4D97-AF65-F5344CB8AC3E}">
-        <p14:creationId xmlns:p14="http://schemas.microsoft.com/office/powerpoint/2010/main" val="3555660548"/>
-      </p:ext>
-    </p:extLst>
-  </p:cSld>
-  <p:clrMapOvr>
-    <a:masterClrMapping/>
-  </p:clrMapOvr>
-</p:sld>
-</file>
-
 <file path=ppt/slides/slide2.xml><?xml version="1.0" encoding="utf-8"?>
 <p:sld xmlns:a="http://schemas.openxmlformats.org/drawingml/2006/main" xmlns:r="http://schemas.openxmlformats.org/officeDocument/2006/relationships" xmlns:p="http://schemas.openxmlformats.org/presentationml/2006/main">
   <p:cSld>
@@ -3745,12 +3984,12 @@
         <p:spPr>
           <a:xfrm>
             <a:off x="463639" y="1944709"/>
-            <a:ext cx="11384923" cy="4739425"/>
+            <a:ext cx="11384923" cy="4913291"/>
           </a:xfrm>
         </p:spPr>
         <p:txBody>
           <a:bodyPr>
-            <a:normAutofit lnSpcReduction="10000"/>
+            <a:normAutofit fontScale="92500" lnSpcReduction="10000"/>
           </a:bodyPr>
           <a:lstStyle/>
           <a:p>
@@ -3853,6 +4092,15 @@
             <a:r>
               <a:rPr lang="en-US" dirty="0"/>
               <a:t>Elective Primary Total Hip Arthroplasty and/or Total Knee Arthroplasty (THA/TKA)</a:t>
+            </a:r>
+          </a:p>
+          <a:p>
+            <a:pPr marL="128016" lvl="1" indent="0" algn="r">
+              <a:buNone/>
+            </a:pPr>
+            <a:r>
+              <a:rPr lang="en-US" b="1" dirty="0"/>
+              <a:t>SOURCE : data.medicare.gov</a:t>
             </a:r>
           </a:p>
           <a:p>
@@ -3959,7 +4207,9 @@
         </p:nvSpPr>
         <p:spPr/>
         <p:txBody>
-          <a:bodyPr/>
+          <a:bodyPr>
+            <a:normAutofit/>
+          </a:bodyPr>
           <a:lstStyle/>
           <a:p>
             <a:pPr>
@@ -3968,7 +4218,7 @@
             </a:pPr>
             <a:r>
               <a:rPr lang="en-US" dirty="0"/>
-              <a:t>How effective has the Healthcare Readmission Reduction Program (HRRP) been since implementation in 2012?</a:t>
+              <a:t>How effective has the Healthcare Readmission Reduction Program (HRRP) been in reducing excess readmissions since implementation in 2012?</a:t>
             </a:r>
           </a:p>
           <a:p>
@@ -3984,7 +4234,7 @@
             </a:pPr>
             <a:r>
               <a:rPr lang="en-US" dirty="0"/>
-              <a:t>Does complications and deaths at a facility highly correlate with Readmissions?</a:t>
+              <a:t>What additional factors at state level are contributing to the readmission of Medicare patients?</a:t>
             </a:r>
           </a:p>
           <a:p>
@@ -4000,8 +4250,37 @@
             </a:pPr>
             <a:r>
               <a:rPr lang="en-US" dirty="0"/>
-              <a:t>What additional factors are contributing to the readmission of Medicare patients?</a:t>
-            </a:r>
+              <a:t>What death and complications are most prominent by state?</a:t>
+            </a:r>
+          </a:p>
+          <a:p>
+            <a:pPr marL="0" indent="0">
+              <a:buNone/>
+            </a:pPr>
+            <a:endParaRPr lang="en-US" dirty="0"/>
+          </a:p>
+          <a:p>
+            <a:pPr>
+              <a:buFont typeface="Wingdings" panose="05000000000000000000" pitchFamily="2" charset="2"/>
+              <a:buChar char="v"/>
+            </a:pPr>
+            <a:r>
+              <a:rPr lang="en-US" dirty="0"/>
+              <a:t>Does complications and deaths at a facility impact Readmissions?</a:t>
+            </a:r>
+          </a:p>
+          <a:p>
+            <a:pPr marL="0" indent="0">
+              <a:buNone/>
+            </a:pPr>
+            <a:endParaRPr lang="en-US" dirty="0"/>
+          </a:p>
+          <a:p>
+            <a:pPr>
+              <a:buFont typeface="Wingdings" panose="05000000000000000000" pitchFamily="2" charset="2"/>
+              <a:buChar char="v"/>
+            </a:pPr>
+            <a:endParaRPr lang="en-US" dirty="0"/>
           </a:p>
         </p:txBody>
       </p:sp>
@@ -4080,9 +4359,16 @@
             <p:ph idx="1"/>
           </p:nvPr>
         </p:nvSpPr>
-        <p:spPr/>
-        <p:txBody>
-          <a:bodyPr/>
+        <p:spPr>
+          <a:xfrm>
+            <a:off x="491320" y="2286000"/>
+            <a:ext cx="11163868" cy="4572000"/>
+          </a:xfrm>
+        </p:spPr>
+        <p:txBody>
+          <a:bodyPr>
+            <a:normAutofit/>
+          </a:bodyPr>
           <a:lstStyle/>
           <a:p>
             <a:pPr>
@@ -4110,6 +4396,13 @@
               <a:rPr lang="en-US" dirty="0"/>
               <a:t>CMS Hospital Readmission and Reduction Program (HRRP): Provided Medicare data from 2014-2017 in regards to HRR.</a:t>
             </a:r>
+            <a:r>
+              <a:rPr lang="en-US" dirty="0">
+                <a:hlinkClick r:id="rId2"/>
+              </a:rPr>
+              <a:t> https://data.medicare.gov/Hospital-Compare/Hospital-Readmissions-Reduction-Program/9n3s-kdb3</a:t>
+            </a:r>
+            <a:endParaRPr lang="en-US" dirty="0"/>
           </a:p>
           <a:p>
             <a:pPr lvl="1">
@@ -4125,8 +4418,15 @@
             </a:pPr>
             <a:r>
               <a:rPr lang="en-US" dirty="0"/>
-              <a:t>CMS Complications and Death-State: Provided state-level data for the hip/knee complication measure, the CMS Patient Safety Indicators, and 30-day death rates.</a:t>
-            </a:r>
+              <a:t>CMS Complications and Death-State: Provided state-level data from 2016-2018 for the hip/knee complication measure, the CMS Patient Safety Indicators, and 30-day death rates. </a:t>
+            </a:r>
+            <a:r>
+              <a:rPr lang="en-US" dirty="0">
+                <a:hlinkClick r:id="rId3"/>
+              </a:rPr>
+              <a:t>https://data.medicare.gov/Hospital-Compare/Complications-and-Deaths-State/bs2r-24vh</a:t>
+            </a:r>
+            <a:endParaRPr lang="en-US" dirty="0"/>
           </a:p>
           <a:p>
             <a:pPr lvl="1">
@@ -4142,8 +4442,21 @@
             </a:pPr>
             <a:r>
               <a:rPr lang="en-US" dirty="0"/>
-              <a:t>Big Cities Health Coalition: Provided 18,000 data points across more than 50 health, socio-economic, and demographic indicators across 11 categories in the United States for health in 30 of the largest most urban cities. </a:t>
-            </a:r>
+              <a:t>Big Cities Health Coalition: Provided 18,000 data points from 2010-2018 across more than 50 health, socio-economic, and demographic indicators across 11 categories in the United States for health in 30 of the largest most urban cities. </a:t>
+            </a:r>
+            <a:r>
+              <a:rPr lang="en-US" dirty="0">
+                <a:hlinkClick r:id="rId4"/>
+              </a:rPr>
+              <a:t>https://bchi.bigcitieshealth.org/indicators/1829/searches/35654</a:t>
+            </a:r>
+            <a:endParaRPr lang="en-US" dirty="0"/>
+          </a:p>
+          <a:p>
+            <a:pPr marL="128016" lvl="1" indent="0">
+              <a:buNone/>
+            </a:pPr>
+            <a:endParaRPr lang="en-US" dirty="0"/>
           </a:p>
           <a:p>
             <a:pPr lvl="1">
@@ -4208,7 +4521,7 @@
           <p:cNvPr id="2" name="Title 1">
             <a:extLst>
               <a:ext uri="{FF2B5EF4-FFF2-40B4-BE49-F238E27FC236}">
-                <a16:creationId xmlns:a16="http://schemas.microsoft.com/office/drawing/2014/main" id="{45AF63BF-9E32-4A51-B8A4-20AB0FAC190D}"/>
+                <a16:creationId xmlns:a16="http://schemas.microsoft.com/office/drawing/2014/main" id="{572B7AF7-73B1-4924-9107-ADBE809B23CA}"/>
               </a:ext>
             </a:extLst>
           </p:cNvPr>
@@ -4226,48 +4539,58 @@
           <a:p>
             <a:pPr algn="ctr"/>
             <a:r>
+              <a:rPr lang="en-US" dirty="0" err="1"/>
+              <a:t>Powerbi</a:t>
+            </a:r>
+            <a:r>
               <a:rPr lang="en-US" dirty="0"/>
-              <a:t>Top 10 States with highest and Lowest readmission Rates.</a:t>
-            </a:r>
-          </a:p>
-        </p:txBody>
-      </p:sp>
-      <p:pic>
-        <p:nvPicPr>
-          <p:cNvPr id="4" name="Content Placeholder 3">
+              <a:t> Dashboard</a:t>
+            </a:r>
+          </a:p>
+        </p:txBody>
+      </p:sp>
+      <p:sp>
+        <p:nvSpPr>
+          <p:cNvPr id="3" name="Content Placeholder 2">
             <a:extLst>
               <a:ext uri="{FF2B5EF4-FFF2-40B4-BE49-F238E27FC236}">
-                <a16:creationId xmlns:a16="http://schemas.microsoft.com/office/drawing/2014/main" id="{499B1377-6734-4E1D-8CC1-62E75ACC426A}"/>
+                <a16:creationId xmlns:a16="http://schemas.microsoft.com/office/drawing/2014/main" id="{B8A80631-BCC8-4CB4-851A-B458D91A622A}"/>
               </a:ext>
             </a:extLst>
           </p:cNvPr>
-          <p:cNvPicPr>
-            <a:picLocks noGrp="1" noChangeAspect="1"/>
-          </p:cNvPicPr>
+          <p:cNvSpPr>
+            <a:spLocks noGrp="1"/>
+          </p:cNvSpPr>
           <p:nvPr>
             <p:ph idx="1"/>
           </p:nvPr>
-        </p:nvPicPr>
-        <p:blipFill>
-          <a:blip r:embed="rId2"/>
-          <a:stretch>
-            <a:fillRect/>
-          </a:stretch>
-        </p:blipFill>
-        <p:spPr>
-          <a:xfrm>
-            <a:off x="1024128" y="2224007"/>
-            <a:ext cx="9720071" cy="4633993"/>
-          </a:xfrm>
-          <a:prstGeom prst="rect">
-            <a:avLst/>
-          </a:prstGeom>
-        </p:spPr>
-      </p:pic>
+        </p:nvSpPr>
+        <p:spPr/>
+        <p:txBody>
+          <a:bodyPr/>
+          <a:lstStyle/>
+          <a:p>
+            <a:r>
+              <a:rPr lang="en-US" dirty="0"/>
+              <a:t> </a:t>
+            </a:r>
+            <a:r>
+              <a:rPr lang="en-US" dirty="0">
+                <a:hlinkClick r:id="rId2"/>
+              </a:rPr>
+              <a:t>https://app.powerbi.com/view?r=eyJrIjoiODY1NGJkMzktZTJmYy00MmJjLThhOWUtMzUwODM2MzJmNmZiIiwidCI6IjEwMWRhNTg3LTE4NDMtNGY1Mi04YjhhLTE3YjA2OWM2NmQzMyIsImMiOjJ9</a:t>
+            </a:r>
+            <a:endParaRPr lang="en-US" dirty="0"/>
+          </a:p>
+          <a:p>
+            <a:endParaRPr lang="en-US" dirty="0"/>
+          </a:p>
+        </p:txBody>
+      </p:sp>
     </p:spTree>
     <p:extLst>
       <p:ext uri="{BB962C8B-B14F-4D97-AF65-F5344CB8AC3E}">
-        <p14:creationId xmlns:p14="http://schemas.microsoft.com/office/powerpoint/2010/main" val="2107453035"/>
+        <p14:creationId xmlns:p14="http://schemas.microsoft.com/office/powerpoint/2010/main" val="1374663223"/>
       </p:ext>
     </p:extLst>
   </p:cSld>
@@ -4299,7 +4622,7 @@
           <p:cNvPr id="2" name="Title 1">
             <a:extLst>
               <a:ext uri="{FF2B5EF4-FFF2-40B4-BE49-F238E27FC236}">
-                <a16:creationId xmlns:a16="http://schemas.microsoft.com/office/drawing/2014/main" id="{1587195D-88EA-4040-B3AA-08B0EFC3FB1C}"/>
+                <a16:creationId xmlns:a16="http://schemas.microsoft.com/office/drawing/2014/main" id="{BC683D89-36BC-45D6-A618-1D8B1ED09927}"/>
               </a:ext>
             </a:extLst>
           </p:cNvPr>
@@ -4318,47 +4641,91 @@
             <a:pPr algn="ctr"/>
             <a:r>
               <a:rPr lang="en-US" dirty="0"/>
-              <a:t>State Level Analysis</a:t>
-            </a:r>
-          </a:p>
-        </p:txBody>
-      </p:sp>
-      <p:pic>
-        <p:nvPicPr>
-          <p:cNvPr id="4" name="Content Placeholder 3">
+              <a:t>Conclusion</a:t>
+            </a:r>
+          </a:p>
+        </p:txBody>
+      </p:sp>
+      <p:sp>
+        <p:nvSpPr>
+          <p:cNvPr id="3" name="Content Placeholder 2">
             <a:extLst>
               <a:ext uri="{FF2B5EF4-FFF2-40B4-BE49-F238E27FC236}">
-                <a16:creationId xmlns:a16="http://schemas.microsoft.com/office/drawing/2014/main" id="{1CC4F2F7-D6D3-4057-980E-1720DE8D8DDC}"/>
+                <a16:creationId xmlns:a16="http://schemas.microsoft.com/office/drawing/2014/main" id="{25607C89-5B9E-4A3A-83AE-838E617C1B92}"/>
               </a:ext>
             </a:extLst>
           </p:cNvPr>
-          <p:cNvPicPr>
-            <a:picLocks noGrp="1" noChangeAspect="1"/>
-          </p:cNvPicPr>
+          <p:cNvSpPr>
+            <a:spLocks noGrp="1"/>
+          </p:cNvSpPr>
           <p:nvPr>
             <p:ph idx="1"/>
           </p:nvPr>
-        </p:nvPicPr>
-        <p:blipFill>
-          <a:blip r:embed="rId2"/>
-          <a:stretch>
-            <a:fillRect/>
-          </a:stretch>
-        </p:blipFill>
+        </p:nvSpPr>
         <p:spPr>
           <a:xfrm>
-            <a:off x="1313645" y="2279561"/>
-            <a:ext cx="8925059" cy="4457264"/>
+            <a:off x="1024128" y="2286000"/>
+            <a:ext cx="9720071" cy="4023360"/>
           </a:xfrm>
-          <a:prstGeom prst="rect">
-            <a:avLst/>
-          </a:prstGeom>
         </p:spPr>
-      </p:pic>
+        <p:txBody>
+          <a:bodyPr/>
+          <a:lstStyle/>
+          <a:p>
+            <a:pPr>
+              <a:buFont typeface="Wingdings" panose="05000000000000000000" pitchFamily="2" charset="2"/>
+              <a:buChar char="v"/>
+            </a:pPr>
+            <a:r>
+              <a:rPr lang="en-US" dirty="0"/>
+              <a:t>In conclusion, it does not seem as though the Hospital Readmission Program (HRRP) is making a huge impact in the number of readmissions as of yet.</a:t>
+            </a:r>
+          </a:p>
+          <a:p>
+            <a:pPr marL="0" indent="0">
+              <a:buNone/>
+            </a:pPr>
+            <a:endParaRPr lang="en-US" dirty="0"/>
+          </a:p>
+          <a:p>
+            <a:pPr>
+              <a:buFont typeface="Wingdings" panose="05000000000000000000" pitchFamily="2" charset="2"/>
+              <a:buChar char="v"/>
+            </a:pPr>
+            <a:r>
+              <a:rPr lang="en-US" dirty="0"/>
+              <a:t>Large metropolitan areas with larger geriatric populations seem to be struggling the most to prevent readmission rates.</a:t>
+            </a:r>
+          </a:p>
+          <a:p>
+            <a:pPr marL="0" indent="0">
+              <a:buNone/>
+            </a:pPr>
+            <a:endParaRPr lang="en-US" dirty="0"/>
+          </a:p>
+          <a:p>
+            <a:pPr>
+              <a:buFont typeface="Wingdings" panose="05000000000000000000" pitchFamily="2" charset="2"/>
+              <a:buChar char="v"/>
+            </a:pPr>
+            <a:r>
+              <a:rPr lang="en-US" dirty="0"/>
+              <a:t> Readmissions does not have a strong impact with complications and death. More data may be needed to further explore. </a:t>
+            </a:r>
+          </a:p>
+          <a:p>
+            <a:pPr>
+              <a:buFont typeface="Wingdings" panose="05000000000000000000" pitchFamily="2" charset="2"/>
+              <a:buChar char="v"/>
+            </a:pPr>
+            <a:endParaRPr lang="en-US" dirty="0"/>
+          </a:p>
+        </p:txBody>
+      </p:sp>
     </p:spTree>
     <p:extLst>
       <p:ext uri="{BB962C8B-B14F-4D97-AF65-F5344CB8AC3E}">
-        <p14:creationId xmlns:p14="http://schemas.microsoft.com/office/powerpoint/2010/main" val="121617663"/>
+        <p14:creationId xmlns:p14="http://schemas.microsoft.com/office/powerpoint/2010/main" val="812229915"/>
       </p:ext>
     </p:extLst>
   </p:cSld>
@@ -4390,7 +4757,7 @@
           <p:cNvPr id="2" name="Title 1">
             <a:extLst>
               <a:ext uri="{FF2B5EF4-FFF2-40B4-BE49-F238E27FC236}">
-                <a16:creationId xmlns:a16="http://schemas.microsoft.com/office/drawing/2014/main" id="{5784ACA9-AF6D-4ABD-AB33-ACA7A06BC47E}"/>
+                <a16:creationId xmlns:a16="http://schemas.microsoft.com/office/drawing/2014/main" id="{0290FEE3-FBEC-4133-8953-C562519A8272}"/>
               </a:ext>
             </a:extLst>
           </p:cNvPr>
@@ -4409,215 +4776,28 @@
             <a:pPr algn="ctr"/>
             <a:r>
               <a:rPr lang="en-US" dirty="0"/>
-              <a:t>Complications and Death Analysis</a:t>
-            </a:r>
-          </a:p>
-        </p:txBody>
-      </p:sp>
-      <p:pic>
-        <p:nvPicPr>
-          <p:cNvPr id="4" name="Content Placeholder 3">
+              <a:t>Other Analysis Opportunities</a:t>
+            </a:r>
+          </a:p>
+        </p:txBody>
+      </p:sp>
+      <p:sp>
+        <p:nvSpPr>
+          <p:cNvPr id="3" name="Content Placeholder 2">
             <a:extLst>
               <a:ext uri="{FF2B5EF4-FFF2-40B4-BE49-F238E27FC236}">
-                <a16:creationId xmlns:a16="http://schemas.microsoft.com/office/drawing/2014/main" id="{9A765518-A088-495F-84E0-2A6A1224E639}"/>
+                <a16:creationId xmlns:a16="http://schemas.microsoft.com/office/drawing/2014/main" id="{518A4E08-8919-45C9-9AEA-341EFFBD78E2}"/>
               </a:ext>
             </a:extLst>
           </p:cNvPr>
-          <p:cNvPicPr>
-            <a:picLocks noGrp="1" noChangeAspect="1"/>
-          </p:cNvPicPr>
+          <p:cNvSpPr>
+            <a:spLocks noGrp="1"/>
+          </p:cNvSpPr>
           <p:nvPr>
             <p:ph idx="1"/>
           </p:nvPr>
-        </p:nvPicPr>
-        <p:blipFill>
-          <a:blip r:embed="rId2"/>
-          <a:stretch>
-            <a:fillRect/>
-          </a:stretch>
-        </p:blipFill>
-        <p:spPr>
-          <a:xfrm>
-            <a:off x="858593" y="2176530"/>
-            <a:ext cx="9885607" cy="4681470"/>
-          </a:xfrm>
-          <a:prstGeom prst="rect">
-            <a:avLst/>
-          </a:prstGeom>
-        </p:spPr>
-      </p:pic>
-    </p:spTree>
-    <p:extLst>
-      <p:ext uri="{BB962C8B-B14F-4D97-AF65-F5344CB8AC3E}">
-        <p14:creationId xmlns:p14="http://schemas.microsoft.com/office/powerpoint/2010/main" val="1545596572"/>
-      </p:ext>
-    </p:extLst>
-  </p:cSld>
-  <p:clrMapOvr>
-    <a:masterClrMapping/>
-  </p:clrMapOvr>
-</p:sld>
-</file>
-
-<file path=ppt/slides/slide8.xml><?xml version="1.0" encoding="utf-8"?>
-<p:sld xmlns:a="http://schemas.openxmlformats.org/drawingml/2006/main" xmlns:r="http://schemas.openxmlformats.org/officeDocument/2006/relationships" xmlns:p="http://schemas.openxmlformats.org/presentationml/2006/main">
-  <p:cSld>
-    <p:spTree>
-      <p:nvGrpSpPr>
-        <p:cNvPr id="1" name=""/>
-        <p:cNvGrpSpPr/>
-        <p:nvPr/>
-      </p:nvGrpSpPr>
-      <p:grpSpPr>
-        <a:xfrm>
-          <a:off x="0" y="0"/>
-          <a:ext cx="0" cy="0"/>
-          <a:chOff x="0" y="0"/>
-          <a:chExt cx="0" cy="0"/>
-        </a:xfrm>
-      </p:grpSpPr>
-      <p:sp>
-        <p:nvSpPr>
-          <p:cNvPr id="2" name="Title 1">
-            <a:extLst>
-              <a:ext uri="{FF2B5EF4-FFF2-40B4-BE49-F238E27FC236}">
-                <a16:creationId xmlns:a16="http://schemas.microsoft.com/office/drawing/2014/main" id="{B907B5D8-E407-4972-9621-CC1A8575846F}"/>
-              </a:ext>
-            </a:extLst>
-          </p:cNvPr>
-          <p:cNvSpPr>
-            <a:spLocks noGrp="1"/>
-          </p:cNvSpPr>
-          <p:nvPr>
-            <p:ph type="title"/>
-          </p:nvPr>
         </p:nvSpPr>
         <p:spPr/>
-        <p:txBody>
-          <a:bodyPr/>
-          <a:lstStyle/>
-          <a:p>
-            <a:pPr algn="ctr"/>
-            <a:r>
-              <a:rPr lang="en-US" dirty="0"/>
-              <a:t>Readmissions compared to Complications and death</a:t>
-            </a:r>
-          </a:p>
-        </p:txBody>
-      </p:sp>
-      <p:pic>
-        <p:nvPicPr>
-          <p:cNvPr id="4" name="Content Placeholder 3">
-            <a:extLst>
-              <a:ext uri="{FF2B5EF4-FFF2-40B4-BE49-F238E27FC236}">
-                <a16:creationId xmlns:a16="http://schemas.microsoft.com/office/drawing/2014/main" id="{FA19F1EF-1F6A-4418-B0C4-16190D70777F}"/>
-              </a:ext>
-            </a:extLst>
-          </p:cNvPr>
-          <p:cNvPicPr>
-            <a:picLocks noGrp="1" noChangeAspect="1"/>
-          </p:cNvPicPr>
-          <p:nvPr>
-            <p:ph idx="1"/>
-          </p:nvPr>
-        </p:nvPicPr>
-        <p:blipFill>
-          <a:blip r:embed="rId2"/>
-          <a:stretch>
-            <a:fillRect/>
-          </a:stretch>
-        </p:blipFill>
-        <p:spPr>
-          <a:xfrm>
-            <a:off x="1024128" y="2247381"/>
-            <a:ext cx="9720072" cy="4153419"/>
-          </a:xfrm>
-          <a:prstGeom prst="rect">
-            <a:avLst/>
-          </a:prstGeom>
-        </p:spPr>
-      </p:pic>
-    </p:spTree>
-    <p:extLst>
-      <p:ext uri="{BB962C8B-B14F-4D97-AF65-F5344CB8AC3E}">
-        <p14:creationId xmlns:p14="http://schemas.microsoft.com/office/powerpoint/2010/main" val="3951899471"/>
-      </p:ext>
-    </p:extLst>
-  </p:cSld>
-  <p:clrMapOvr>
-    <a:masterClrMapping/>
-  </p:clrMapOvr>
-</p:sld>
-</file>
-
-<file path=ppt/slides/slide9.xml><?xml version="1.0" encoding="utf-8"?>
-<p:sld xmlns:a="http://schemas.openxmlformats.org/drawingml/2006/main" xmlns:r="http://schemas.openxmlformats.org/officeDocument/2006/relationships" xmlns:p="http://schemas.openxmlformats.org/presentationml/2006/main">
-  <p:cSld>
-    <p:spTree>
-      <p:nvGrpSpPr>
-        <p:cNvPr id="1" name=""/>
-        <p:cNvGrpSpPr/>
-        <p:nvPr/>
-      </p:nvGrpSpPr>
-      <p:grpSpPr>
-        <a:xfrm>
-          <a:off x="0" y="0"/>
-          <a:ext cx="0" cy="0"/>
-          <a:chOff x="0" y="0"/>
-          <a:chExt cx="0" cy="0"/>
-        </a:xfrm>
-      </p:grpSpPr>
-      <p:sp>
-        <p:nvSpPr>
-          <p:cNvPr id="2" name="Title 1">
-            <a:extLst>
-              <a:ext uri="{FF2B5EF4-FFF2-40B4-BE49-F238E27FC236}">
-                <a16:creationId xmlns:a16="http://schemas.microsoft.com/office/drawing/2014/main" id="{BC683D89-36BC-45D6-A618-1D8B1ED09927}"/>
-              </a:ext>
-            </a:extLst>
-          </p:cNvPr>
-          <p:cNvSpPr>
-            <a:spLocks noGrp="1"/>
-          </p:cNvSpPr>
-          <p:nvPr>
-            <p:ph type="title"/>
-          </p:nvPr>
-        </p:nvSpPr>
-        <p:spPr/>
-        <p:txBody>
-          <a:bodyPr/>
-          <a:lstStyle/>
-          <a:p>
-            <a:pPr algn="ctr"/>
-            <a:r>
-              <a:rPr lang="en-US" dirty="0"/>
-              <a:t>Conclusion</a:t>
-            </a:r>
-          </a:p>
-        </p:txBody>
-      </p:sp>
-      <p:sp>
-        <p:nvSpPr>
-          <p:cNvPr id="3" name="Content Placeholder 2">
-            <a:extLst>
-              <a:ext uri="{FF2B5EF4-FFF2-40B4-BE49-F238E27FC236}">
-                <a16:creationId xmlns:a16="http://schemas.microsoft.com/office/drawing/2014/main" id="{25607C89-5B9E-4A3A-83AE-838E617C1B92}"/>
-              </a:ext>
-            </a:extLst>
-          </p:cNvPr>
-          <p:cNvSpPr>
-            <a:spLocks noGrp="1"/>
-          </p:cNvSpPr>
-          <p:nvPr>
-            <p:ph idx="1"/>
-          </p:nvPr>
-        </p:nvSpPr>
-        <p:spPr>
-          <a:xfrm>
-            <a:off x="1024128" y="2286000"/>
-            <a:ext cx="9720071" cy="4023360"/>
-          </a:xfrm>
-        </p:spPr>
         <p:txBody>
           <a:bodyPr/>
           <a:lstStyle/>
@@ -4628,29 +4808,14 @@
             </a:pPr>
             <a:r>
               <a:rPr lang="en-US" dirty="0"/>
-              <a:t>In conclusion, it does not seem as though the Hospital Readmission Program (HRRP) is making a huge impact. </a:t>
-            </a:r>
-          </a:p>
-          <a:p>
-            <a:pPr marL="0" indent="0">
-              <a:buNone/>
-            </a:pPr>
-            <a:endParaRPr lang="en-US" dirty="0"/>
+              <a:t>Florida has the largest 65+ demographic as well as the highest amount of readmissions, it would be interesting to dig further with detail facility data to find out areas of opportunity.</a:t>
+            </a:r>
           </a:p>
           <a:p>
             <a:pPr>
               <a:buFont typeface="Wingdings" panose="05000000000000000000" pitchFamily="2" charset="2"/>
               <a:buChar char="v"/>
             </a:pPr>
-            <a:r>
-              <a:rPr lang="en-US" dirty="0"/>
-              <a:t>Large metropolitan with larger geriatric populations seem to be struggling the most to prevent readmission rates.</a:t>
-            </a:r>
-          </a:p>
-          <a:p>
-            <a:pPr marL="0" indent="0">
-              <a:buNone/>
-            </a:pPr>
             <a:endParaRPr lang="en-US" dirty="0"/>
           </a:p>
           <a:p>
@@ -4660,7 +4825,7 @@
             </a:pPr>
             <a:r>
               <a:rPr lang="en-US" dirty="0"/>
-              <a:t> Readmissions does not have a strong correlation with complications and death. More data may be needed to further explore. </a:t>
+              <a:t>It would be interesting to pull in Medicare payment data and penalty data to highlight repeat excess readmission offenders. </a:t>
             </a:r>
           </a:p>
           <a:p>
@@ -4670,12 +4835,31 @@
             </a:pPr>
             <a:endParaRPr lang="en-US" dirty="0"/>
           </a:p>
+          <a:p>
+            <a:pPr marL="0" indent="0">
+              <a:buNone/>
+            </a:pPr>
+            <a:endParaRPr lang="en-US" dirty="0"/>
+          </a:p>
+          <a:p>
+            <a:pPr marL="0" indent="0">
+              <a:buNone/>
+            </a:pPr>
+            <a:endParaRPr lang="en-US" dirty="0"/>
+          </a:p>
+          <a:p>
+            <a:pPr>
+              <a:buFont typeface="Wingdings" panose="05000000000000000000" pitchFamily="2" charset="2"/>
+              <a:buChar char="v"/>
+            </a:pPr>
+            <a:endParaRPr lang="en-US" dirty="0"/>
+          </a:p>
         </p:txBody>
       </p:sp>
     </p:spTree>
     <p:extLst>
       <p:ext uri="{BB962C8B-B14F-4D97-AF65-F5344CB8AC3E}">
-        <p14:creationId xmlns:p14="http://schemas.microsoft.com/office/powerpoint/2010/main" val="812229915"/>
+        <p14:creationId xmlns:p14="http://schemas.microsoft.com/office/powerpoint/2010/main" val="2220521494"/>
       </p:ext>
     </p:extLst>
   </p:cSld>
@@ -4954,4 +5138,299 @@
     </a:ext>
   </a:extLst>
 </a:theme>
+</file>
+
+<file path=ppt/theme/theme2.xml><?xml version="1.0" encoding="utf-8"?>
+<a:theme xmlns:a="http://schemas.openxmlformats.org/drawingml/2006/main" name="Office Theme">
+  <a:themeElements>
+    <a:clrScheme name="Office">
+      <a:dk1>
+        <a:sysClr val="windowText" lastClr="000000"/>
+      </a:dk1>
+      <a:lt1>
+        <a:sysClr val="window" lastClr="FFFFFF"/>
+      </a:lt1>
+      <a:dk2>
+        <a:srgbClr val="44546A"/>
+      </a:dk2>
+      <a:lt2>
+        <a:srgbClr val="E7E6E6"/>
+      </a:lt2>
+      <a:accent1>
+        <a:srgbClr val="4472C4"/>
+      </a:accent1>
+      <a:accent2>
+        <a:srgbClr val="ED7D31"/>
+      </a:accent2>
+      <a:accent3>
+        <a:srgbClr val="A5A5A5"/>
+      </a:accent3>
+      <a:accent4>
+        <a:srgbClr val="FFC000"/>
+      </a:accent4>
+      <a:accent5>
+        <a:srgbClr val="5B9BD5"/>
+      </a:accent5>
+      <a:accent6>
+        <a:srgbClr val="70AD47"/>
+      </a:accent6>
+      <a:hlink>
+        <a:srgbClr val="0563C1"/>
+      </a:hlink>
+      <a:folHlink>
+        <a:srgbClr val="954F72"/>
+      </a:folHlink>
+    </a:clrScheme>
+    <a:fontScheme name="Office">
+      <a:majorFont>
+        <a:latin typeface="Calibri Light" panose="020F0302020204030204"/>
+        <a:ea typeface=""/>
+        <a:cs typeface=""/>
+        <a:font script="Jpan" typeface="游ゴシック Light"/>
+        <a:font script="Hang" typeface="맑은 고딕"/>
+        <a:font script="Hans" typeface="等线 Light"/>
+        <a:font script="Hant" typeface="新細明體"/>
+        <a:font script="Arab" typeface="Times New Roman"/>
+        <a:font script="Hebr" typeface="Times New Roman"/>
+        <a:font script="Thai" typeface="Angsana New"/>
+        <a:font script="Ethi" typeface="Nyala"/>
+        <a:font script="Beng" typeface="Vrinda"/>
+        <a:font script="Gujr" typeface="Shruti"/>
+        <a:font script="Khmr" typeface="MoolBoran"/>
+        <a:font script="Knda" typeface="Tunga"/>
+        <a:font script="Guru" typeface="Raavi"/>
+        <a:font script="Cans" typeface="Euphemia"/>
+        <a:font script="Cher" typeface="Plantagenet Cherokee"/>
+        <a:font script="Yiii" typeface="Microsoft Yi Baiti"/>
+        <a:font script="Tibt" typeface="Microsoft Himalaya"/>
+        <a:font script="Thaa" typeface="MV Boli"/>
+        <a:font script="Deva" typeface="Mangal"/>
+        <a:font script="Telu" typeface="Gautami"/>
+        <a:font script="Taml" typeface="Latha"/>
+        <a:font script="Syrc" typeface="Estrangelo Edessa"/>
+        <a:font script="Orya" typeface="Kalinga"/>
+        <a:font script="Mlym" typeface="Kartika"/>
+        <a:font script="Laoo" typeface="DokChampa"/>
+        <a:font script="Sinh" typeface="Iskoola Pota"/>
+        <a:font script="Mong" typeface="Mongolian Baiti"/>
+        <a:font script="Viet" typeface="Times New Roman"/>
+        <a:font script="Uigh" typeface="Microsoft Uighur"/>
+        <a:font script="Geor" typeface="Sylfaen"/>
+        <a:font script="Armn" typeface="Arial"/>
+        <a:font script="Bugi" typeface="Leelawadee UI"/>
+        <a:font script="Bopo" typeface="Microsoft JhengHei"/>
+        <a:font script="Java" typeface="Javanese Text"/>
+        <a:font script="Lisu" typeface="Segoe UI"/>
+        <a:font script="Mymr" typeface="Myanmar Text"/>
+        <a:font script="Nkoo" typeface="Ebrima"/>
+        <a:font script="Olck" typeface="Nirmala UI"/>
+        <a:font script="Osma" typeface="Ebrima"/>
+        <a:font script="Phag" typeface="Phagspa"/>
+        <a:font script="Syrn" typeface="Estrangelo Edessa"/>
+        <a:font script="Syrj" typeface="Estrangelo Edessa"/>
+        <a:font script="Syre" typeface="Estrangelo Edessa"/>
+        <a:font script="Sora" typeface="Nirmala UI"/>
+        <a:font script="Tale" typeface="Microsoft Tai Le"/>
+        <a:font script="Talu" typeface="Microsoft New Tai Lue"/>
+        <a:font script="Tfng" typeface="Ebrima"/>
+      </a:majorFont>
+      <a:minorFont>
+        <a:latin typeface="Calibri" panose="020F0502020204030204"/>
+        <a:ea typeface=""/>
+        <a:cs typeface=""/>
+        <a:font script="Jpan" typeface="游ゴシック"/>
+        <a:font script="Hang" typeface="맑은 고딕"/>
+        <a:font script="Hans" typeface="等线"/>
+        <a:font script="Hant" typeface="新細明體"/>
+        <a:font script="Arab" typeface="Arial"/>
+        <a:font script="Hebr" typeface="Arial"/>
+        <a:font script="Thai" typeface="Cordia New"/>
+        <a:font script="Ethi" typeface="Nyala"/>
+        <a:font script="Beng" typeface="Vrinda"/>
+        <a:font script="Gujr" typeface="Shruti"/>
+        <a:font script="Khmr" typeface="DaunPenh"/>
+        <a:font script="Knda" typeface="Tunga"/>
+        <a:font script="Guru" typeface="Raavi"/>
+        <a:font script="Cans" typeface="Euphemia"/>
+        <a:font script="Cher" typeface="Plantagenet Cherokee"/>
+        <a:font script="Yiii" typeface="Microsoft Yi Baiti"/>
+        <a:font script="Tibt" typeface="Microsoft Himalaya"/>
+        <a:font script="Thaa" typeface="MV Boli"/>
+        <a:font script="Deva" typeface="Mangal"/>
+        <a:font script="Telu" typeface="Gautami"/>
+        <a:font script="Taml" typeface="Latha"/>
+        <a:font script="Syrc" typeface="Estrangelo Edessa"/>
+        <a:font script="Orya" typeface="Kalinga"/>
+        <a:font script="Mlym" typeface="Kartika"/>
+        <a:font script="Laoo" typeface="DokChampa"/>
+        <a:font script="Sinh" typeface="Iskoola Pota"/>
+        <a:font script="Mong" typeface="Mongolian Baiti"/>
+        <a:font script="Viet" typeface="Arial"/>
+        <a:font script="Uigh" typeface="Microsoft Uighur"/>
+        <a:font script="Geor" typeface="Sylfaen"/>
+        <a:font script="Armn" typeface="Arial"/>
+        <a:font script="Bugi" typeface="Leelawadee UI"/>
+        <a:font script="Bopo" typeface="Microsoft JhengHei"/>
+        <a:font script="Java" typeface="Javanese Text"/>
+        <a:font script="Lisu" typeface="Segoe UI"/>
+        <a:font script="Mymr" typeface="Myanmar Text"/>
+        <a:font script="Nkoo" typeface="Ebrima"/>
+        <a:font script="Olck" typeface="Nirmala UI"/>
+        <a:font script="Osma" typeface="Ebrima"/>
+        <a:font script="Phag" typeface="Phagspa"/>
+        <a:font script="Syrn" typeface="Estrangelo Edessa"/>
+        <a:font script="Syrj" typeface="Estrangelo Edessa"/>
+        <a:font script="Syre" typeface="Estrangelo Edessa"/>
+        <a:font script="Sora" typeface="Nirmala UI"/>
+        <a:font script="Tale" typeface="Microsoft Tai Le"/>
+        <a:font script="Talu" typeface="Microsoft New Tai Lue"/>
+        <a:font script="Tfng" typeface="Ebrima"/>
+      </a:minorFont>
+    </a:fontScheme>
+    <a:fmtScheme name="Office">
+      <a:fillStyleLst>
+        <a:solidFill>
+          <a:schemeClr val="phClr"/>
+        </a:solidFill>
+        <a:gradFill rotWithShape="1">
+          <a:gsLst>
+            <a:gs pos="0">
+              <a:schemeClr val="phClr">
+                <a:lumMod val="110000"/>
+                <a:satMod val="105000"/>
+                <a:tint val="67000"/>
+              </a:schemeClr>
+            </a:gs>
+            <a:gs pos="50000">
+              <a:schemeClr val="phClr">
+                <a:lumMod val="105000"/>
+                <a:satMod val="103000"/>
+                <a:tint val="73000"/>
+              </a:schemeClr>
+            </a:gs>
+            <a:gs pos="100000">
+              <a:schemeClr val="phClr">
+                <a:lumMod val="105000"/>
+                <a:satMod val="109000"/>
+                <a:tint val="81000"/>
+              </a:schemeClr>
+            </a:gs>
+          </a:gsLst>
+          <a:lin ang="5400000" scaled="0"/>
+        </a:gradFill>
+        <a:gradFill rotWithShape="1">
+          <a:gsLst>
+            <a:gs pos="0">
+              <a:schemeClr val="phClr">
+                <a:satMod val="103000"/>
+                <a:lumMod val="102000"/>
+                <a:tint val="94000"/>
+              </a:schemeClr>
+            </a:gs>
+            <a:gs pos="50000">
+              <a:schemeClr val="phClr">
+                <a:satMod val="110000"/>
+                <a:lumMod val="100000"/>
+                <a:shade val="100000"/>
+              </a:schemeClr>
+            </a:gs>
+            <a:gs pos="100000">
+              <a:schemeClr val="phClr">
+                <a:lumMod val="99000"/>
+                <a:satMod val="120000"/>
+                <a:shade val="78000"/>
+              </a:schemeClr>
+            </a:gs>
+          </a:gsLst>
+          <a:lin ang="5400000" scaled="0"/>
+        </a:gradFill>
+      </a:fillStyleLst>
+      <a:lnStyleLst>
+        <a:ln w="6350" cap="flat" cmpd="sng" algn="ctr">
+          <a:solidFill>
+            <a:schemeClr val="phClr"/>
+          </a:solidFill>
+          <a:prstDash val="solid"/>
+          <a:miter lim="800000"/>
+        </a:ln>
+        <a:ln w="12700" cap="flat" cmpd="sng" algn="ctr">
+          <a:solidFill>
+            <a:schemeClr val="phClr"/>
+          </a:solidFill>
+          <a:prstDash val="solid"/>
+          <a:miter lim="800000"/>
+        </a:ln>
+        <a:ln w="19050" cap="flat" cmpd="sng" algn="ctr">
+          <a:solidFill>
+            <a:schemeClr val="phClr"/>
+          </a:solidFill>
+          <a:prstDash val="solid"/>
+          <a:miter lim="800000"/>
+        </a:ln>
+      </a:lnStyleLst>
+      <a:effectStyleLst>
+        <a:effectStyle>
+          <a:effectLst/>
+        </a:effectStyle>
+        <a:effectStyle>
+          <a:effectLst/>
+        </a:effectStyle>
+        <a:effectStyle>
+          <a:effectLst>
+            <a:outerShdw blurRad="57150" dist="19050" dir="5400000" algn="ctr" rotWithShape="0">
+              <a:srgbClr val="000000">
+                <a:alpha val="63000"/>
+              </a:srgbClr>
+            </a:outerShdw>
+          </a:effectLst>
+        </a:effectStyle>
+      </a:effectStyleLst>
+      <a:bgFillStyleLst>
+        <a:solidFill>
+          <a:schemeClr val="phClr"/>
+        </a:solidFill>
+        <a:solidFill>
+          <a:schemeClr val="phClr">
+            <a:tint val="95000"/>
+            <a:satMod val="170000"/>
+          </a:schemeClr>
+        </a:solidFill>
+        <a:gradFill rotWithShape="1">
+          <a:gsLst>
+            <a:gs pos="0">
+              <a:schemeClr val="phClr">
+                <a:tint val="93000"/>
+                <a:satMod val="150000"/>
+                <a:shade val="98000"/>
+                <a:lumMod val="102000"/>
+              </a:schemeClr>
+            </a:gs>
+            <a:gs pos="50000">
+              <a:schemeClr val="phClr">
+                <a:tint val="98000"/>
+                <a:satMod val="130000"/>
+                <a:shade val="90000"/>
+                <a:lumMod val="103000"/>
+              </a:schemeClr>
+            </a:gs>
+            <a:gs pos="100000">
+              <a:schemeClr val="phClr">
+                <a:shade val="63000"/>
+                <a:satMod val="120000"/>
+              </a:schemeClr>
+            </a:gs>
+          </a:gsLst>
+          <a:lin ang="5400000" scaled="0"/>
+        </a:gradFill>
+      </a:bgFillStyleLst>
+    </a:fmtScheme>
+  </a:themeElements>
+  <a:objectDefaults/>
+  <a:extraClrSchemeLst/>
+  <a:extLst>
+    <a:ext uri="{05A4C25C-085E-4340-85A3-A5531E510DB2}">
+      <thm15:themeFamily xmlns:thm15="http://schemas.microsoft.com/office/thememl/2012/main" name="Office Theme" id="{62F939B6-93AF-4DB8-9C6B-D6C7DFDC589F}" vid="{4A3C46E8-61CC-4603-A589-7422A47A8E4A}"/>
+    </a:ext>
+  </a:extLst>
+</a:theme>
 </file>